--- a/demo/presentation.pptx
+++ b/demo/presentation.pptx
@@ -204,7 +204,7 @@
           <a:p>
             <a:fld id="{BC2780E0-8041-3C43-AD00-8F807532A6F6}" type="datetimeFigureOut">
               <a:rPr kumimoji="1" lang="zh-CN" altLang="en-US" smtClean="0"/>
-              <a:t>5/25/15</a:t>
+              <a:t>5/26/15</a:t>
             </a:fld>
             <a:endParaRPr kumimoji="1" lang="zh-CN" altLang="en-US"/>
           </a:p>
@@ -626,8 +626,17 @@
           <a:p>
             <a:r>
               <a:rPr kumimoji="1" lang="en-US" altLang="zh-CN" baseline="0" dirty="0" smtClean="0"/>
-              <a:t>Unit fee is calculated by dividing initial fee by overall unit number.</a:t>
-            </a:r>
+              <a:t>Unit fee is calculated by dividing initial fee by overall </a:t>
+            </a:r>
+            <a:r>
+              <a:rPr kumimoji="1" lang="en-US" altLang="zh-CN" baseline="0" smtClean="0"/>
+              <a:t>unit </a:t>
+            </a:r>
+            <a:r>
+              <a:rPr kumimoji="1" lang="en-US" altLang="zh-CN" baseline="0" smtClean="0"/>
+              <a:t>number.</a:t>
+            </a:r>
+            <a:endParaRPr kumimoji="1" lang="en-US" altLang="zh-CN" baseline="0" dirty="0" smtClean="0"/>
           </a:p>
           <a:p>
             <a:r>
@@ -924,13 +933,8 @@
             </a:r>
             <a:r>
               <a:rPr kumimoji="1" lang="en-US" altLang="zh-CN" baseline="0" dirty="0" smtClean="0"/>
-              <a:t> for delivery. It’s a rather big fee compared with what she paid for the sofa. On the other hand, there are many shipping companies can’t find enough </a:t>
-            </a:r>
-            <a:r>
-              <a:rPr kumimoji="1" lang="en-US" altLang="zh-CN" baseline="0" dirty="0" smtClean="0"/>
-              <a:t>business.</a:t>
-            </a:r>
-            <a:endParaRPr kumimoji="1" lang="en-US" altLang="zh-CN" baseline="0" dirty="0" smtClean="0"/>
+              <a:t> for delivery. It’s a rather big fee compared with what she paid for the sofa. On the other hand, there are many shipping companies can’t find enough business.</a:t>
+            </a:r>
           </a:p>
           <a:p>
             <a:r>
@@ -1126,11 +1130,7 @@
             </a:r>
             <a:r>
               <a:rPr kumimoji="1" lang="en-US" altLang="zh-CN" baseline="0" dirty="0" smtClean="0"/>
-              <a:t> choosing our application, Amy will only spend about 30 dollars or even less for her </a:t>
-            </a:r>
-            <a:r>
-              <a:rPr kumimoji="1" lang="en-US" altLang="zh-CN" baseline="0" dirty="0" smtClean="0"/>
-              <a:t>sofa delivery.</a:t>
+              <a:t> choosing our application, Amy will only spend about 30 dollars or even less for her sofa delivery.</a:t>
             </a:r>
             <a:endParaRPr kumimoji="1" lang="zh-CN" altLang="en-US" dirty="0"/>
           </a:p>
@@ -1510,23 +1510,7 @@
             </a:r>
             <a:r>
               <a:rPr kumimoji="1" lang="en-US" altLang="zh-CN" baseline="0" dirty="0" smtClean="0"/>
-              <a:t> are four status for an order. Once it’s posted by </a:t>
-            </a:r>
-            <a:r>
-              <a:rPr kumimoji="1" lang="en-US" altLang="zh-CN" baseline="0" dirty="0" smtClean="0"/>
-              <a:t>a shipper</a:t>
-            </a:r>
-            <a:r>
-              <a:rPr kumimoji="1" lang="en-US" altLang="zh-CN" baseline="0" dirty="0" smtClean="0"/>
-              <a:t>, its status is initial. When it’s accepted by a deliverer, its status switched to accepted. So that more shippers can join this order. When the deliverer closes this order, no more shipper can join it. And deliverer is going to </a:t>
-            </a:r>
-            <a:r>
-              <a:rPr kumimoji="1" lang="en-US" altLang="zh-CN" baseline="0" dirty="0" smtClean="0"/>
-              <a:t>ship this </a:t>
-            </a:r>
-            <a:r>
-              <a:rPr kumimoji="1" lang="en-US" altLang="zh-CN" baseline="0" dirty="0" smtClean="0"/>
-              <a:t>order. Once the delivery is done, the status ends up in finished. And shipper can rate this finished order.</a:t>
+              <a:t> are four status for an order. Once it’s posted by a shipper, its status is initial. When it’s accepted by a deliverer, its status switched to accepted. So that more shippers can join this order. When the deliverer closes this order, no more shipper can join it. And deliverer is going to ship this order. Once the delivery is done, the status ends up in finished. And shipper can rate this finished order.</a:t>
             </a:r>
             <a:endParaRPr kumimoji="1" lang="zh-CN" altLang="en-US" dirty="0"/>
           </a:p>
@@ -1939,7 +1923,7 @@
           <a:p>
             <a:fld id="{B1115196-1C6F-4784-83AC-30756D8F10B3}" type="datetimeFigureOut">
               <a:rPr lang="en-US" smtClean="0"/>
-              <a:t>5/25/15</a:t>
+              <a:t>5/26/15</a:t>
             </a:fld>
             <a:endParaRPr lang="en-US"/>
           </a:p>
@@ -2368,7 +2352,7 @@
           <a:p>
             <a:fld id="{B1115196-1C6F-4784-83AC-30756D8F10B3}" type="datetimeFigureOut">
               <a:rPr lang="en-US" smtClean="0"/>
-              <a:t>5/25/15</a:t>
+              <a:t>5/26/15</a:t>
             </a:fld>
             <a:endParaRPr lang="en-US"/>
           </a:p>
@@ -2573,7 +2557,7 @@
           <a:p>
             <a:fld id="{B1115196-1C6F-4784-83AC-30756D8F10B3}" type="datetimeFigureOut">
               <a:rPr lang="en-US" smtClean="0"/>
-              <a:t>5/25/15</a:t>
+              <a:t>5/26/15</a:t>
             </a:fld>
             <a:endParaRPr lang="en-US"/>
           </a:p>
@@ -2844,7 +2828,7 @@
           <a:p>
             <a:fld id="{B1115196-1C6F-4784-83AC-30756D8F10B3}" type="datetimeFigureOut">
               <a:rPr lang="en-US" smtClean="0"/>
-              <a:t>5/25/15</a:t>
+              <a:t>5/26/15</a:t>
             </a:fld>
             <a:endParaRPr lang="en-US"/>
           </a:p>
@@ -3125,7 +3109,7 @@
           <a:p>
             <a:fld id="{B1115196-1C6F-4784-83AC-30756D8F10B3}" type="datetimeFigureOut">
               <a:rPr lang="en-US" smtClean="0"/>
-              <a:t>5/25/15</a:t>
+              <a:t>5/26/15</a:t>
             </a:fld>
             <a:endParaRPr lang="en-US"/>
           </a:p>
@@ -3360,7 +3344,7 @@
           <a:p>
             <a:fld id="{B1115196-1C6F-4784-83AC-30756D8F10B3}" type="datetimeFigureOut">
               <a:rPr lang="en-US" smtClean="0"/>
-              <a:t>5/25/15</a:t>
+              <a:t>5/26/15</a:t>
             </a:fld>
             <a:endParaRPr lang="en-US"/>
           </a:p>
@@ -3641,7 +3625,7 @@
           <a:p>
             <a:fld id="{B1115196-1C6F-4784-83AC-30756D8F10B3}" type="datetimeFigureOut">
               <a:rPr lang="en-US" smtClean="0"/>
-              <a:t>5/25/15</a:t>
+              <a:t>5/26/15</a:t>
             </a:fld>
             <a:endParaRPr lang="en-US"/>
           </a:p>
@@ -4068,7 +4052,7 @@
           <a:p>
             <a:fld id="{B1115196-1C6F-4784-83AC-30756D8F10B3}" type="datetimeFigureOut">
               <a:rPr lang="en-US" smtClean="0"/>
-              <a:t>5/25/15</a:t>
+              <a:t>5/26/15</a:t>
             </a:fld>
             <a:endParaRPr lang="en-US"/>
           </a:p>
@@ -4591,7 +4575,7 @@
           <a:p>
             <a:fld id="{B1115196-1C6F-4784-83AC-30756D8F10B3}" type="datetimeFigureOut">
               <a:rPr lang="en-US" smtClean="0"/>
-              <a:t>5/25/15</a:t>
+              <a:t>5/26/15</a:t>
             </a:fld>
             <a:endParaRPr lang="en-US"/>
           </a:p>
@@ -4953,7 +4937,7 @@
           <a:p>
             <a:fld id="{B1115196-1C6F-4784-83AC-30756D8F10B3}" type="datetimeFigureOut">
               <a:rPr lang="en-US" smtClean="0"/>
-              <a:t>5/25/15</a:t>
+              <a:t>5/26/15</a:t>
             </a:fld>
             <a:endParaRPr lang="en-US"/>
           </a:p>
@@ -5509,7 +5493,7 @@
           <a:p>
             <a:fld id="{B1115196-1C6F-4784-83AC-30756D8F10B3}" type="datetimeFigureOut">
               <a:rPr lang="en-US" smtClean="0"/>
-              <a:t>5/25/15</a:t>
+              <a:t>5/26/15</a:t>
             </a:fld>
             <a:endParaRPr lang="en-US"/>
           </a:p>
@@ -5734,7 +5718,7 @@
           <a:p>
             <a:fld id="{B1115196-1C6F-4784-83AC-30756D8F10B3}" type="datetimeFigureOut">
               <a:rPr lang="en-US" smtClean="0"/>
-              <a:t>5/25/15</a:t>
+              <a:t>5/26/15</a:t>
             </a:fld>
             <a:endParaRPr lang="en-US"/>
           </a:p>
@@ -5880,7 +5864,7 @@
           <a:p>
             <a:fld id="{B1115196-1C6F-4784-83AC-30756D8F10B3}" type="datetimeFigureOut">
               <a:rPr lang="en-US" smtClean="0"/>
-              <a:t>5/25/15</a:t>
+              <a:t>5/26/15</a:t>
             </a:fld>
             <a:endParaRPr lang="en-US"/>
           </a:p>
@@ -6345,7 +6329,7 @@
           <a:p>
             <a:fld id="{B1115196-1C6F-4784-83AC-30756D8F10B3}" type="datetimeFigureOut">
               <a:rPr lang="en-US" smtClean="0"/>
-              <a:t>5/25/15</a:t>
+              <a:t>5/26/15</a:t>
             </a:fld>
             <a:endParaRPr lang="en-US"/>
           </a:p>
@@ -6567,7 +6551,7 @@
           <a:p>
             <a:fld id="{B1115196-1C6F-4784-83AC-30756D8F10B3}" type="datetimeFigureOut">
               <a:rPr lang="en-US" smtClean="0"/>
-              <a:t>5/25/15</a:t>
+              <a:t>5/26/15</a:t>
             </a:fld>
             <a:endParaRPr lang="en-US"/>
           </a:p>
@@ -8586,15 +8570,7 @@
           <a:p>
             <a:r>
               <a:rPr kumimoji="1" lang="en-US" altLang="zh-CN" sz="4000" dirty="0" smtClean="0"/>
-              <a:t>Large population of </a:t>
-            </a:r>
-            <a:r>
-              <a:rPr kumimoji="1" lang="en-US" altLang="zh-CN" sz="4000" dirty="0" smtClean="0"/>
-              <a:t>new students </a:t>
-            </a:r>
-            <a:r>
-              <a:rPr kumimoji="1" lang="en-US" altLang="zh-CN" sz="4000" dirty="0" smtClean="0"/>
-              <a:t>each year</a:t>
+              <a:t>Large population of new students each year</a:t>
             </a:r>
           </a:p>
           <a:p>

--- a/demo/presentation.pptx
+++ b/demo/presentation.pptx
@@ -5,7 +5,7 @@
     <p:sldMasterId id="2147483660" r:id="rId1"/>
   </p:sldMasterIdLst>
   <p:notesMasterIdLst>
-    <p:notesMasterId r:id="rId15"/>
+    <p:notesMasterId r:id="rId17"/>
   </p:notesMasterIdLst>
   <p:sldIdLst>
     <p:sldId id="256" r:id="rId2"/>
@@ -20,7 +20,9 @@
     <p:sldId id="265" r:id="rId11"/>
     <p:sldId id="266" r:id="rId12"/>
     <p:sldId id="268" r:id="rId13"/>
-    <p:sldId id="269" r:id="rId14"/>
+    <p:sldId id="270" r:id="rId14"/>
+    <p:sldId id="271" r:id="rId15"/>
+    <p:sldId id="269" r:id="rId16"/>
   </p:sldIdLst>
   <p:sldSz cx="9144000" cy="6858000" type="screen4x3"/>
   <p:notesSz cx="6858000" cy="9144000"/>
@@ -630,11 +632,7 @@
             </a:r>
             <a:r>
               <a:rPr kumimoji="1" lang="en-US" altLang="zh-CN" baseline="0" smtClean="0"/>
-              <a:t>unit </a:t>
-            </a:r>
-            <a:r>
-              <a:rPr kumimoji="1" lang="en-US" altLang="zh-CN" baseline="0" smtClean="0"/>
-              <a:t>number.</a:t>
+              <a:t>unit number.</a:t>
             </a:r>
             <a:endParaRPr kumimoji="1" lang="en-US" altLang="zh-CN" baseline="0" dirty="0" smtClean="0"/>
           </a:p>
@@ -782,6 +780,107 @@
     <p:extLst>
       <p:ext uri="{BB962C8B-B14F-4D97-AF65-F5344CB8AC3E}">
         <p14:creationId xmlns:p14="http://schemas.microsoft.com/office/powerpoint/2010/main" val="1429665955"/>
+      </p:ext>
+    </p:extLst>
+  </p:cSld>
+  <p:clrMapOvr>
+    <a:masterClrMapping/>
+  </p:clrMapOvr>
+</p:notes>
+</file>
+
+<file path=ppt/notesSlides/notesSlide12.xml><?xml version="1.0" encoding="utf-8"?>
+<p:notes xmlns:a="http://schemas.openxmlformats.org/drawingml/2006/main" xmlns:r="http://schemas.openxmlformats.org/officeDocument/2006/relationships" xmlns:p="http://schemas.openxmlformats.org/presentationml/2006/main">
+  <p:cSld>
+    <p:spTree>
+      <p:nvGrpSpPr>
+        <p:cNvPr id="1" name=""/>
+        <p:cNvGrpSpPr/>
+        <p:nvPr/>
+      </p:nvGrpSpPr>
+      <p:grpSpPr>
+        <a:xfrm>
+          <a:off x="0" y="0"/>
+          <a:ext cx="0" cy="0"/>
+          <a:chOff x="0" y="0"/>
+          <a:chExt cx="0" cy="0"/>
+        </a:xfrm>
+      </p:grpSpPr>
+      <p:sp>
+        <p:nvSpPr>
+          <p:cNvPr id="2" name="幻灯片图像占位符 1"/>
+          <p:cNvSpPr>
+            <a:spLocks noGrp="1" noRot="1" noChangeAspect="1"/>
+          </p:cNvSpPr>
+          <p:nvPr>
+            <p:ph type="sldImg"/>
+          </p:nvPr>
+        </p:nvSpPr>
+        <p:spPr/>
+      </p:sp>
+      <p:sp>
+        <p:nvSpPr>
+          <p:cNvPr id="3" name="备注占位符 2"/>
+          <p:cNvSpPr>
+            <a:spLocks noGrp="1"/>
+          </p:cNvSpPr>
+          <p:nvPr>
+            <p:ph type="body" idx="1"/>
+          </p:nvPr>
+        </p:nvSpPr>
+        <p:spPr/>
+        <p:txBody>
+          <a:bodyPr/>
+          <a:lstStyle/>
+          <a:p>
+            <a:pPr marL="0" marR="0" indent="0" algn="l" defTabSz="457200" rtl="0" eaLnBrk="1" fontAlgn="auto" latinLnBrk="0" hangingPunct="1">
+              <a:lnSpc>
+                <a:spcPct val="100000"/>
+              </a:lnSpc>
+              <a:spcBef>
+                <a:spcPts val="0"/>
+              </a:spcBef>
+              <a:spcAft>
+                <a:spcPts val="0"/>
+              </a:spcAft>
+              <a:buClrTx/>
+              <a:buSzTx/>
+              <a:buFontTx/>
+              <a:buNone/>
+              <a:tabLst/>
+              <a:defRPr/>
+            </a:pPr>
+            <a:endParaRPr kumimoji="1" lang="zh-CN" altLang="en-US" dirty="0"/>
+          </a:p>
+        </p:txBody>
+      </p:sp>
+      <p:sp>
+        <p:nvSpPr>
+          <p:cNvPr id="4" name="幻灯片编号占位符 3"/>
+          <p:cNvSpPr>
+            <a:spLocks noGrp="1"/>
+          </p:cNvSpPr>
+          <p:nvPr>
+            <p:ph type="sldNum" sz="quarter" idx="10"/>
+          </p:nvPr>
+        </p:nvSpPr>
+        <p:spPr/>
+        <p:txBody>
+          <a:bodyPr/>
+          <a:lstStyle/>
+          <a:p>
+            <a:fld id="{6D04EC9B-5607-E94C-9987-AA98AFBDFF9E}" type="slidenum">
+              <a:rPr kumimoji="1" lang="zh-CN" altLang="en-US" smtClean="0"/>
+              <a:t>14</a:t>
+            </a:fld>
+            <a:endParaRPr kumimoji="1" lang="zh-CN" altLang="en-US"/>
+          </a:p>
+        </p:txBody>
+      </p:sp>
+    </p:spTree>
+    <p:extLst>
+      <p:ext uri="{BB962C8B-B14F-4D97-AF65-F5344CB8AC3E}">
+        <p14:creationId xmlns:p14="http://schemas.microsoft.com/office/powerpoint/2010/main" val="2534619807"/>
       </p:ext>
     </p:extLst>
   </p:cSld>
@@ -7921,7 +8020,7 @@
             <a:pPr algn="ctr"/>
             <a:r>
               <a:rPr kumimoji="1" lang="en-US" altLang="zh-CN" sz="6600" dirty="0" smtClean="0"/>
-              <a:t>Future Work</a:t>
+              <a:t>Promotion</a:t>
             </a:r>
             <a:endParaRPr kumimoji="1" lang="zh-CN" altLang="en-US" sz="6600" dirty="0"/>
           </a:p>
@@ -7946,6 +8045,200 @@
           <a:p>
             <a:r>
               <a:rPr kumimoji="1" lang="en-US" altLang="zh-CN" sz="4000" dirty="0" smtClean="0"/>
+              <a:t>Each shipper inherently is a good promoter</a:t>
+            </a:r>
+          </a:p>
+          <a:p>
+            <a:r>
+              <a:rPr kumimoji="1" lang="en-US" altLang="zh-CN" sz="4000" dirty="0" smtClean="0"/>
+              <a:t>Share on Facebook &amp; Get bonus</a:t>
+            </a:r>
+          </a:p>
+          <a:p>
+            <a:r>
+              <a:rPr kumimoji="1" lang="en-US" altLang="zh-CN" sz="4000" dirty="0" smtClean="0"/>
+              <a:t>Student associations</a:t>
+            </a:r>
+            <a:endParaRPr kumimoji="1" lang="zh-CN" altLang="en-US" sz="4000" dirty="0"/>
+          </a:p>
+        </p:txBody>
+      </p:sp>
+    </p:spTree>
+    <p:extLst>
+      <p:ext uri="{BB962C8B-B14F-4D97-AF65-F5344CB8AC3E}">
+        <p14:creationId xmlns:p14="http://schemas.microsoft.com/office/powerpoint/2010/main" val="2831880795"/>
+      </p:ext>
+    </p:extLst>
+  </p:cSld>
+  <p:clrMapOvr>
+    <a:masterClrMapping/>
+  </p:clrMapOvr>
+</p:sld>
+</file>
+
+<file path=ppt/slides/slide14.xml><?xml version="1.0" encoding="utf-8"?>
+<p:sld xmlns:a="http://schemas.openxmlformats.org/drawingml/2006/main" xmlns:r="http://schemas.openxmlformats.org/officeDocument/2006/relationships" xmlns:p="http://schemas.openxmlformats.org/presentationml/2006/main">
+  <p:cSld>
+    <p:spTree>
+      <p:nvGrpSpPr>
+        <p:cNvPr id="1" name=""/>
+        <p:cNvGrpSpPr/>
+        <p:nvPr/>
+      </p:nvGrpSpPr>
+      <p:grpSpPr>
+        <a:xfrm>
+          <a:off x="0" y="0"/>
+          <a:ext cx="0" cy="0"/>
+          <a:chOff x="0" y="0"/>
+          <a:chExt cx="0" cy="0"/>
+        </a:xfrm>
+      </p:grpSpPr>
+      <p:sp>
+        <p:nvSpPr>
+          <p:cNvPr id="2" name="标题 1"/>
+          <p:cNvSpPr>
+            <a:spLocks noGrp="1"/>
+          </p:cNvSpPr>
+          <p:nvPr>
+            <p:ph type="title"/>
+          </p:nvPr>
+        </p:nvSpPr>
+        <p:spPr/>
+        <p:txBody>
+          <a:bodyPr>
+            <a:normAutofit/>
+          </a:bodyPr>
+          <a:lstStyle/>
+          <a:p>
+            <a:pPr algn="ctr"/>
+            <a:r>
+              <a:rPr kumimoji="1" lang="en-US" altLang="zh-CN" sz="6600" dirty="0" smtClean="0"/>
+              <a:t>Shining Points</a:t>
+            </a:r>
+            <a:endParaRPr kumimoji="1" lang="zh-CN" altLang="en-US" sz="6600" dirty="0"/>
+          </a:p>
+        </p:txBody>
+      </p:sp>
+      <p:sp>
+        <p:nvSpPr>
+          <p:cNvPr id="3" name="内容占位符 2"/>
+          <p:cNvSpPr>
+            <a:spLocks noGrp="1"/>
+          </p:cNvSpPr>
+          <p:nvPr>
+            <p:ph idx="1"/>
+          </p:nvPr>
+        </p:nvSpPr>
+        <p:spPr/>
+        <p:txBody>
+          <a:bodyPr>
+            <a:normAutofit/>
+          </a:bodyPr>
+          <a:lstStyle/>
+          <a:p>
+            <a:r>
+              <a:rPr kumimoji="1" lang="en-US" altLang="zh-CN" sz="4400" dirty="0" smtClean="0"/>
+              <a:t>Money save</a:t>
+            </a:r>
+          </a:p>
+          <a:p>
+            <a:r>
+              <a:rPr kumimoji="1" lang="en-US" altLang="zh-CN" sz="4400" dirty="0" smtClean="0"/>
+              <a:t>Simple manipulation</a:t>
+            </a:r>
+          </a:p>
+          <a:p>
+            <a:r>
+              <a:rPr kumimoji="1" lang="en-US" altLang="zh-CN" sz="4400" dirty="0" smtClean="0"/>
+              <a:t>Reliable service</a:t>
+            </a:r>
+          </a:p>
+          <a:p>
+            <a:r>
+              <a:rPr kumimoji="1" lang="en-US" altLang="zh-CN" sz="4400" dirty="0" smtClean="0"/>
+              <a:t>Rating scale</a:t>
+            </a:r>
+          </a:p>
+          <a:p>
+            <a:endParaRPr kumimoji="1" lang="zh-CN" altLang="en-US" sz="4400" dirty="0"/>
+          </a:p>
+        </p:txBody>
+      </p:sp>
+    </p:spTree>
+    <p:extLst>
+      <p:ext uri="{BB962C8B-B14F-4D97-AF65-F5344CB8AC3E}">
+        <p14:creationId xmlns:p14="http://schemas.microsoft.com/office/powerpoint/2010/main" val="157743745"/>
+      </p:ext>
+    </p:extLst>
+  </p:cSld>
+  <p:clrMapOvr>
+    <a:masterClrMapping/>
+  </p:clrMapOvr>
+</p:sld>
+</file>
+
+<file path=ppt/slides/slide15.xml><?xml version="1.0" encoding="utf-8"?>
+<p:sld xmlns:a="http://schemas.openxmlformats.org/drawingml/2006/main" xmlns:r="http://schemas.openxmlformats.org/officeDocument/2006/relationships" xmlns:p="http://schemas.openxmlformats.org/presentationml/2006/main">
+  <p:cSld>
+    <p:spTree>
+      <p:nvGrpSpPr>
+        <p:cNvPr id="1" name=""/>
+        <p:cNvGrpSpPr/>
+        <p:nvPr/>
+      </p:nvGrpSpPr>
+      <p:grpSpPr>
+        <a:xfrm>
+          <a:off x="0" y="0"/>
+          <a:ext cx="0" cy="0"/>
+          <a:chOff x="0" y="0"/>
+          <a:chExt cx="0" cy="0"/>
+        </a:xfrm>
+      </p:grpSpPr>
+      <p:sp>
+        <p:nvSpPr>
+          <p:cNvPr id="2" name="标题 1"/>
+          <p:cNvSpPr>
+            <a:spLocks noGrp="1"/>
+          </p:cNvSpPr>
+          <p:nvPr>
+            <p:ph type="title"/>
+          </p:nvPr>
+        </p:nvSpPr>
+        <p:spPr/>
+        <p:txBody>
+          <a:bodyPr>
+            <a:normAutofit/>
+          </a:bodyPr>
+          <a:lstStyle/>
+          <a:p>
+            <a:pPr algn="ctr"/>
+            <a:r>
+              <a:rPr kumimoji="1" lang="en-US" altLang="zh-CN" sz="6600" dirty="0" smtClean="0"/>
+              <a:t>Future Work</a:t>
+            </a:r>
+            <a:endParaRPr kumimoji="1" lang="zh-CN" altLang="en-US" sz="6600" dirty="0"/>
+          </a:p>
+        </p:txBody>
+      </p:sp>
+      <p:sp>
+        <p:nvSpPr>
+          <p:cNvPr id="3" name="内容占位符 2"/>
+          <p:cNvSpPr>
+            <a:spLocks noGrp="1"/>
+          </p:cNvSpPr>
+          <p:nvPr>
+            <p:ph idx="1"/>
+          </p:nvPr>
+        </p:nvSpPr>
+        <p:spPr/>
+        <p:txBody>
+          <a:bodyPr>
+            <a:normAutofit/>
+          </a:bodyPr>
+          <a:lstStyle/>
+          <a:p>
+            <a:r>
+              <a:rPr kumimoji="1" lang="en-US" altLang="zh-CN" sz="4000" dirty="0" smtClean="0"/>
               <a:t>Wide query match</a:t>
             </a:r>
           </a:p>
@@ -7957,7 +8250,7 @@
           </a:p>
           <a:p>
             <a:r>
-              <a:rPr kumimoji="1" lang="en-US" altLang="zh-CN" sz="4000" smtClean="0"/>
+              <a:rPr kumimoji="1" lang="en-US" altLang="zh-CN" sz="4000" dirty="0" smtClean="0"/>
               <a:t>Burst demands</a:t>
             </a:r>
           </a:p>
